--- a/ITU Mobile Telecoms by Pandas Presentation.pptx
+++ b/ITU Mobile Telecoms by Pandas Presentation.pptx
@@ -13,10 +13,10 @@
     <p:sldId id="276" r:id="rId7"/>
     <p:sldId id="275" r:id="rId8"/>
     <p:sldId id="263" r:id="rId9"/>
-    <p:sldId id="261" r:id="rId10"/>
-    <p:sldId id="264" r:id="rId11"/>
-    <p:sldId id="265" r:id="rId12"/>
-    <p:sldId id="267" r:id="rId13"/>
+    <p:sldId id="267" r:id="rId10"/>
+    <p:sldId id="261" r:id="rId11"/>
+    <p:sldId id="264" r:id="rId12"/>
+    <p:sldId id="265" r:id="rId13"/>
     <p:sldId id="271" r:id="rId14"/>
     <p:sldId id="272" r:id="rId15"/>
     <p:sldId id="278" r:id="rId16"/>
@@ -318,7 +318,7 @@
           <a:p>
             <a:fld id="{5BCAD085-E8A6-8845-BD4E-CB4CCA059FC4}" type="datetimeFigureOut">
               <a:rPr lang="en-US" smtClean="0"/>
-              <a:t>8/17/2025</a:t>
+              <a:t>8/24/2025</a:t>
             </a:fld>
             <a:endParaRPr lang="en-US"/>
           </a:p>
@@ -486,7 +486,7 @@
           <a:p>
             <a:fld id="{5BCAD085-E8A6-8845-BD4E-CB4CCA059FC4}" type="datetimeFigureOut">
               <a:rPr lang="en-US" smtClean="0"/>
-              <a:t>8/17/2025</a:t>
+              <a:t>8/24/2025</a:t>
             </a:fld>
             <a:endParaRPr lang="en-US"/>
           </a:p>
@@ -664,7 +664,7 @@
           <a:p>
             <a:fld id="{5BCAD085-E8A6-8845-BD4E-CB4CCA059FC4}" type="datetimeFigureOut">
               <a:rPr lang="en-US" smtClean="0"/>
-              <a:t>8/17/2025</a:t>
+              <a:t>8/24/2025</a:t>
             </a:fld>
             <a:endParaRPr lang="en-US"/>
           </a:p>
@@ -832,7 +832,7 @@
           <a:p>
             <a:fld id="{5BCAD085-E8A6-8845-BD4E-CB4CCA059FC4}" type="datetimeFigureOut">
               <a:rPr lang="en-US" smtClean="0"/>
-              <a:t>8/17/2025</a:t>
+              <a:t>8/24/2025</a:t>
             </a:fld>
             <a:endParaRPr lang="en-US"/>
           </a:p>
@@ -1077,7 +1077,7 @@
           <a:p>
             <a:fld id="{5BCAD085-E8A6-8845-BD4E-CB4CCA059FC4}" type="datetimeFigureOut">
               <a:rPr lang="en-US" smtClean="0"/>
-              <a:t>8/17/2025</a:t>
+              <a:t>8/24/2025</a:t>
             </a:fld>
             <a:endParaRPr lang="en-US"/>
           </a:p>
@@ -1362,7 +1362,7 @@
           <a:p>
             <a:fld id="{5BCAD085-E8A6-8845-BD4E-CB4CCA059FC4}" type="datetimeFigureOut">
               <a:rPr lang="en-US" smtClean="0"/>
-              <a:t>8/17/2025</a:t>
+              <a:t>8/24/2025</a:t>
             </a:fld>
             <a:endParaRPr lang="en-US"/>
           </a:p>
@@ -1781,7 +1781,7 @@
           <a:p>
             <a:fld id="{5BCAD085-E8A6-8845-BD4E-CB4CCA059FC4}" type="datetimeFigureOut">
               <a:rPr lang="en-US" smtClean="0"/>
-              <a:t>8/17/2025</a:t>
+              <a:t>8/24/2025</a:t>
             </a:fld>
             <a:endParaRPr lang="en-US"/>
           </a:p>
@@ -1898,7 +1898,7 @@
           <a:p>
             <a:fld id="{5BCAD085-E8A6-8845-BD4E-CB4CCA059FC4}" type="datetimeFigureOut">
               <a:rPr lang="en-US" smtClean="0"/>
-              <a:t>8/17/2025</a:t>
+              <a:t>8/24/2025</a:t>
             </a:fld>
             <a:endParaRPr lang="en-US"/>
           </a:p>
@@ -1993,7 +1993,7 @@
           <a:p>
             <a:fld id="{5BCAD085-E8A6-8845-BD4E-CB4CCA059FC4}" type="datetimeFigureOut">
               <a:rPr lang="en-US" smtClean="0"/>
-              <a:t>8/17/2025</a:t>
+              <a:t>8/24/2025</a:t>
             </a:fld>
             <a:endParaRPr lang="en-US"/>
           </a:p>
@@ -2268,7 +2268,7 @@
           <a:p>
             <a:fld id="{5BCAD085-E8A6-8845-BD4E-CB4CCA059FC4}" type="datetimeFigureOut">
               <a:rPr lang="en-US" smtClean="0"/>
-              <a:t>8/17/2025</a:t>
+              <a:t>8/24/2025</a:t>
             </a:fld>
             <a:endParaRPr lang="en-US"/>
           </a:p>
@@ -2520,7 +2520,7 @@
           <a:p>
             <a:fld id="{5BCAD085-E8A6-8845-BD4E-CB4CCA059FC4}" type="datetimeFigureOut">
               <a:rPr lang="en-US" smtClean="0"/>
-              <a:t>8/17/2025</a:t>
+              <a:t>8/24/2025</a:t>
             </a:fld>
             <a:endParaRPr lang="en-US"/>
           </a:p>
@@ -2731,7 +2731,7 @@
           <a:p>
             <a:fld id="{5BCAD085-E8A6-8845-BD4E-CB4CCA059FC4}" type="datetimeFigureOut">
               <a:rPr lang="en-US" smtClean="0"/>
-              <a:t>8/17/2025</a:t>
+              <a:t>8/24/2025</a:t>
             </a:fld>
             <a:endParaRPr lang="en-US"/>
           </a:p>
@@ -3114,8 +3114,8 @@
         </p:nvSpPr>
         <p:spPr>
           <a:xfrm>
-            <a:off x="1136372" y="2520000"/>
-            <a:ext cx="9967280" cy="553998"/>
+            <a:off x="616488" y="2520000"/>
+            <a:ext cx="11007052" cy="553998"/>
           </a:xfrm>
           <a:prstGeom prst="rect">
             <a:avLst/>
@@ -3134,14 +3134,24 @@
               </a:defRPr>
             </a:pPr>
             <a:r>
-              <a:rPr lang="en-US" sz="3600" dirty="0">
+              <a:rPr lang="en-US" sz="3600">
                 <a:solidFill>
                   <a:schemeClr val="accent1">
                     <a:lumMod val="50000"/>
                   </a:schemeClr>
                 </a:solidFill>
               </a:rPr>
-              <a:t>Mobile Communications Development in 2008-2023</a:t>
+              <a:t>Mobile Voice Communications </a:t>
+            </a:r>
+            <a:r>
+              <a:rPr lang="en-US" sz="3600" dirty="0">
+                <a:solidFill>
+                  <a:schemeClr val="accent1">
+                    <a:lumMod val="50000"/>
+                  </a:schemeClr>
+                </a:solidFill>
+              </a:rPr>
+              <a:t>Development in 2008-2023</a:t>
             </a:r>
             <a:endParaRPr sz="3600" dirty="0">
               <a:solidFill>
@@ -3610,7 +3620,7 @@
         <p:spPr>
           <a:xfrm>
             <a:off x="720000" y="360000"/>
-            <a:ext cx="2888098" cy="369332"/>
+            <a:ext cx="3625031" cy="369332"/>
           </a:xfrm>
           <a:prstGeom prst="rect">
             <a:avLst/>
@@ -3623,7 +3633,7 @@
           </a:bodyPr>
           <a:lstStyle/>
           <a:p>
-            <a:pPr>
+            <a:pPr algn="l">
               <a:defRPr sz="2400" b="1" i="0">
                 <a:latin typeface="Calibri"/>
               </a:defRPr>
@@ -3634,8 +3644,13 @@
                   <a:srgbClr val="000000"/>
                 </a:solidFill>
               </a:rPr>
-              <a:t>Growth Drivers: ARPU </a:t>
-            </a:r>
+              <a:t>Growth Drivers: Subscribers </a:t>
+            </a:r>
+            <a:endParaRPr dirty="0">
+              <a:solidFill>
+                <a:srgbClr val="000000"/>
+              </a:solidFill>
+            </a:endParaRPr>
           </a:p>
         </p:txBody>
       </p:sp>
@@ -3691,8 +3706,8 @@
         </p:nvSpPr>
         <p:spPr>
           <a:xfrm>
-            <a:off x="720000" y="936000"/>
-            <a:ext cx="10800000" cy="2034001"/>
+            <a:off x="720000" y="935998"/>
+            <a:ext cx="10800000" cy="2520001"/>
           </a:xfrm>
           <a:prstGeom prst="rect">
             <a:avLst/>
@@ -3727,26 +3742,89 @@
           <a:p>
             <a:r>
               <a:rPr lang="en-US" b="0" i="0" dirty="0"/>
-              <a:t>Mobile voice ARPU decline over 2008-2023 was, unlike subscriber growth, the continuation of the trend </a:t>
+              <a:t>The growth in the number of subscribers was the key driver for the global mobile voice market since the start of the market in 1990s </a:t>
             </a:r>
           </a:p>
           <a:p>
             <a:r>
               <a:rPr lang="en-US" b="0" i="0" dirty="0"/>
-              <a:t>ARPU was falling a the technology was becoming cheaper (Moore’s law), economies of scale, transition to data traffic (VOLTE/VOIP) also in the emerging markets around 2008-2012, competition, and almost no government regulation, which is a strong advantage </a:t>
+              <a:t>However, the correlation for 2008 – 2023 was negative (0.75) with the key reasons being: </a:t>
+            </a:r>
+          </a:p>
+          <a:p>
+            <a:pPr marL="742950" lvl="1" indent="-285750">
+              <a:spcAft>
+                <a:spcPts val="1200"/>
+              </a:spcAft>
+              <a:buFont typeface="Calibri" panose="020F0502020204030204" pitchFamily="34" charset="0"/>
+              <a:buChar char="‒"/>
+            </a:pPr>
+            <a:r>
+              <a:rPr lang="en-US" sz="1400" dirty="0">
+                <a:solidFill>
+                  <a:srgbClr val="000000"/>
+                </a:solidFill>
+                <a:latin typeface="Calibri"/>
+              </a:rPr>
+              <a:t>Most of the market growth happened in late 1990s -2008, which we don’t see in the available data </a:t>
+            </a:r>
+          </a:p>
+          <a:p>
+            <a:pPr marL="742950" lvl="1" indent="-285750">
+              <a:spcAft>
+                <a:spcPts val="1200"/>
+              </a:spcAft>
+              <a:buFont typeface="Calibri" panose="020F0502020204030204" pitchFamily="34" charset="0"/>
+              <a:buChar char="‒"/>
+            </a:pPr>
+            <a:r>
+              <a:rPr lang="en-US" sz="1400" dirty="0">
+                <a:solidFill>
+                  <a:srgbClr val="000000"/>
+                </a:solidFill>
+                <a:latin typeface="Calibri"/>
+              </a:rPr>
+              <a:t>The mobile voice market was falling after 2012 explained by the shift to data and messengers with cheaper package-pricing for data traffic and no interconnection and landing fees  </a:t>
+            </a:r>
+          </a:p>
+          <a:p>
+            <a:pPr marL="742950" lvl="1" indent="-285750">
+              <a:spcAft>
+                <a:spcPts val="1200"/>
+              </a:spcAft>
+              <a:buFont typeface="Calibri" panose="020F0502020204030204" pitchFamily="34" charset="0"/>
+              <a:buChar char="‒"/>
+            </a:pPr>
+            <a:r>
+              <a:rPr lang="en-US" sz="1400" dirty="0">
+                <a:solidFill>
+                  <a:srgbClr val="000000"/>
+                </a:solidFill>
+                <a:latin typeface="Calibri"/>
+              </a:rPr>
+              <a:t>General preference to interact in writing compared to making voice calls </a:t>
             </a:r>
           </a:p>
           <a:p>
             <a:r>
               <a:rPr lang="en-US" b="0" i="0" dirty="0"/>
-              <a:t>One should note that penetration rate growth well beyond 100% accounts for the users having several numbers, e.g., private and business and a share of business mobile numbers </a:t>
-            </a:r>
-          </a:p>
-          <a:p>
-            <a:r>
-              <a:rPr lang="en-US" b="0" i="0" dirty="0"/>
-              <a:t>Correlation of ARPU decline and penetration rate growth was almost perfect - minus (0.95%) </a:t>
-            </a:r>
+              <a:t>Mobile operators are seeking for new business models including the provision of more content and building of eco-systems, some still suggest taxing social network and messenger companies a traffic charge for consumer access to social media content  </a:t>
+            </a:r>
+          </a:p>
+          <a:p>
+            <a:pPr marL="742950" lvl="1" indent="-285750">
+              <a:spcAft>
+                <a:spcPts val="1200"/>
+              </a:spcAft>
+              <a:buFont typeface="Calibri" panose="020F0502020204030204" pitchFamily="34" charset="0"/>
+              <a:buChar char="‒"/>
+            </a:pPr>
+            <a:endParaRPr lang="en-US" sz="1400" b="1" i="1" dirty="0">
+              <a:solidFill>
+                <a:srgbClr val="000000"/>
+              </a:solidFill>
+              <a:latin typeface="Calibri"/>
+            </a:endParaRPr>
           </a:p>
         </p:txBody>
       </p:sp>
@@ -3759,7 +3837,7 @@
         <p:spPr>
           <a:xfrm>
             <a:off x="720000" y="3636000"/>
-            <a:ext cx="2821863" cy="184666"/>
+            <a:ext cx="3838167" cy="184666"/>
           </a:xfrm>
           <a:prstGeom prst="rect">
             <a:avLst/>
@@ -3772,7 +3850,7 @@
           </a:bodyPr>
           <a:lstStyle/>
           <a:p>
-            <a:pPr>
+            <a:pPr algn="l">
               <a:defRPr sz="1200" b="1" i="0">
                 <a:latin typeface="Calibri"/>
               </a:defRPr>
@@ -3783,8 +3861,13 @@
                   <a:srgbClr val="000000"/>
                 </a:solidFill>
               </a:rPr>
-              <a:t>Global Mobile Voice Penetration and ARPU  </a:t>
-            </a:r>
+              <a:t>Global Mobile Voice Subscribers and Market Size Regression </a:t>
+            </a:r>
+            <a:endParaRPr dirty="0">
+              <a:solidFill>
+                <a:srgbClr val="000000"/>
+              </a:solidFill>
+            </a:endParaRPr>
           </a:p>
         </p:txBody>
       </p:sp>
@@ -3802,11 +3885,11 @@
           <a:prstGeom prst="rect">
             <a:avLst/>
           </a:prstGeom>
-          <a:solidFill>
-            <a:srgbClr val="C00000"/>
-          </a:solidFill>
+          <a:noFill/>
           <a:ln w="12700">
-            <a:noFill/>
+            <a:solidFill>
+              <a:srgbClr val="C00000"/>
+            </a:solidFill>
           </a:ln>
         </p:spPr>
         <p:style>
@@ -3841,7 +3924,7 @@
         <p:spPr>
           <a:xfrm>
             <a:off x="6480000" y="3636000"/>
-            <a:ext cx="3626827" cy="184666"/>
+            <a:ext cx="3903633" cy="184666"/>
           </a:xfrm>
           <a:prstGeom prst="rect">
             <a:avLst/>
@@ -3854,7 +3937,7 @@
           </a:bodyPr>
           <a:lstStyle/>
           <a:p>
-            <a:pPr>
+            <a:pPr algn="l">
               <a:defRPr sz="1200" b="1" i="0">
                 <a:latin typeface="Calibri"/>
               </a:defRPr>
@@ -3865,8 +3948,13 @@
                   <a:srgbClr val="000000"/>
                 </a:solidFill>
               </a:rPr>
-              <a:t>Global Mobile ARPU and Penetration Rate Development </a:t>
-            </a:r>
+              <a:t>Global Mobile Market Size and Subscriber Base Development </a:t>
+            </a:r>
+            <a:endParaRPr dirty="0">
+              <a:solidFill>
+                <a:srgbClr val="000000"/>
+              </a:solidFill>
+            </a:endParaRPr>
           </a:p>
         </p:txBody>
       </p:sp>
@@ -3884,11 +3972,11 @@
           <a:prstGeom prst="rect">
             <a:avLst/>
           </a:prstGeom>
-          <a:solidFill>
-            <a:srgbClr val="C00000"/>
-          </a:solidFill>
+          <a:noFill/>
           <a:ln w="12700">
-            <a:noFill/>
+            <a:solidFill>
+              <a:srgbClr val="C00000"/>
+            </a:solidFill>
           </a:ln>
         </p:spPr>
         <p:style>
@@ -3978,7 +4066,7 @@
               <a:defRPr sz="1000" b="1"/>
             </a:pPr>
             <a:r>
-              <a:t>7</a:t>
+              <a:t>6</a:t>
             </a:r>
           </a:p>
         </p:txBody>
@@ -3988,7 +4076,7 @@
           <p:cNvPr id="16" name="TextBox 15">
             <a:extLst>
               <a:ext uri="{FF2B5EF4-FFF2-40B4-BE49-F238E27FC236}">
-                <a16:creationId xmlns:a16="http://schemas.microsoft.com/office/drawing/2014/main" id="{6FD00CB1-50C1-4A86-8B30-1D98D55E51D1}"/>
+                <a16:creationId xmlns:a16="http://schemas.microsoft.com/office/drawing/2014/main" id="{BD3F9157-0BC4-4C13-9CC5-DF24CCC966F8}"/>
               </a:ext>
             </a:extLst>
           </p:cNvPr>
@@ -4037,7 +4125,7 @@
           <p:cNvPr id="17" name="Picture 16" descr="image.png">
             <a:extLst>
               <a:ext uri="{FF2B5EF4-FFF2-40B4-BE49-F238E27FC236}">
-                <a16:creationId xmlns:a16="http://schemas.microsoft.com/office/drawing/2014/main" id="{95E22782-2998-4F03-8F97-5360C21ABB7E}"/>
+                <a16:creationId xmlns:a16="http://schemas.microsoft.com/office/drawing/2014/main" id="{305FA56C-CCD2-443A-A03C-BC042174091C}"/>
               </a:ext>
             </a:extLst>
           </p:cNvPr>
@@ -4067,7 +4155,7 @@
           <p:cNvPr id="18" name="Picture 17" descr="image.png">
             <a:extLst>
               <a:ext uri="{FF2B5EF4-FFF2-40B4-BE49-F238E27FC236}">
-                <a16:creationId xmlns:a16="http://schemas.microsoft.com/office/drawing/2014/main" id="{82929F66-551A-4765-B0B0-D82291D25AD9}"/>
+                <a16:creationId xmlns:a16="http://schemas.microsoft.com/office/drawing/2014/main" id="{D275A10F-8C96-4E01-BB4A-03195EAF9B57}"/>
               </a:ext>
             </a:extLst>
           </p:cNvPr>
@@ -4126,7 +4214,7 @@
         <p:spPr>
           <a:xfrm>
             <a:off x="720000" y="360000"/>
-            <a:ext cx="10800000" cy="369332"/>
+            <a:ext cx="2888098" cy="369332"/>
           </a:xfrm>
           <a:prstGeom prst="rect">
             <a:avLst/>
@@ -4134,7 +4222,7 @@
           <a:noFill/>
         </p:spPr>
         <p:txBody>
-          <a:bodyPr wrap="square" lIns="0" tIns="0" rIns="0" bIns="0">
+          <a:bodyPr wrap="none" lIns="0" tIns="0" rIns="0" bIns="0">
             <a:spAutoFit/>
           </a:bodyPr>
           <a:lstStyle/>
@@ -4150,7 +4238,7 @@
                   <a:srgbClr val="000000"/>
                 </a:solidFill>
               </a:rPr>
-              <a:t>Mobile Voice Communications Penetration Rates Development </a:t>
+              <a:t>Growth Drivers: ARPU </a:t>
             </a:r>
           </a:p>
         </p:txBody>
@@ -4208,7 +4296,7 @@
         <p:spPr>
           <a:xfrm>
             <a:off x="720000" y="936000"/>
-            <a:ext cx="10800000" cy="1880224"/>
+            <a:ext cx="10800000" cy="2034001"/>
           </a:xfrm>
           <a:prstGeom prst="rect">
             <a:avLst/>
@@ -4239,36 +4327,29 @@
                 <a:latin typeface="Calibri"/>
               </a:defRPr>
             </a:lvl1pPr>
-            <a:lvl2pPr marL="742950" lvl="1" indent="-285750">
-              <a:spcAft>
-                <a:spcPts val="1200"/>
-              </a:spcAft>
-              <a:buFont typeface="Calibri" panose="020F0502020204030204" pitchFamily="34" charset="0"/>
-              <a:buChar char="‒"/>
-              <a:defRPr sz="1400" b="1" i="1">
-                <a:solidFill>
-                  <a:srgbClr val="000000"/>
-                </a:solidFill>
-                <a:latin typeface="Calibri"/>
-              </a:defRPr>
-            </a:lvl2pPr>
           </a:lstStyle>
           <a:p>
             <a:r>
               <a:rPr lang="en-US" b="0" i="0" dirty="0"/>
-              <a:t>Mobile voice penetration rates in higher income regions were above the world average drive by business segment and IOT, while this is still a less significant factor in lower income economies </a:t>
+              <a:t>Mobile voice ARPU decline over 2008-2023 was, unlike subscriber growth, the continuation of the trend </a:t>
             </a:r>
           </a:p>
           <a:p>
             <a:r>
               <a:rPr lang="en-US" b="0" i="0" dirty="0"/>
-              <a:t>While the highest penetration rates in 2008-2023 in mobile voice market was in the CIS region the highest growth was in Asia and Africa </a:t>
+              <a:t>ARPU was falling a the technology was becoming cheaper (Moore’s law), economies of scale, transition to data traffic (VOLTE/VOIP) also in the emerging markets around 2008-2012, competition, and almost no government regulation, which is a strong advantage </a:t>
             </a:r>
           </a:p>
           <a:p>
             <a:r>
               <a:rPr lang="en-US" b="0" i="0" dirty="0"/>
-              <a:t>High CIS penetration rates are explained by low ARPU, popularity of corporate phones and frequent change of tariffs and operators </a:t>
+              <a:t>One should note that penetration rate growth well beyond 100% accounts for the users having several numbers, e.g., private and business and a share of business mobile numbers </a:t>
+            </a:r>
+          </a:p>
+          <a:p>
+            <a:r>
+              <a:rPr lang="en-US" b="0" i="0" dirty="0"/>
+              <a:t>Correlation of ARPU decline and penetration rate growth was almost perfect - minus (0.95%) </a:t>
             </a:r>
           </a:p>
         </p:txBody>
@@ -4282,7 +4363,7 @@
         <p:spPr>
           <a:xfrm>
             <a:off x="720000" y="3636000"/>
-            <a:ext cx="4209614" cy="184666"/>
+            <a:ext cx="2821863" cy="184666"/>
           </a:xfrm>
           <a:prstGeom prst="rect">
             <a:avLst/>
@@ -4295,7 +4376,7 @@
           </a:bodyPr>
           <a:lstStyle/>
           <a:p>
-            <a:pPr algn="l">
+            <a:pPr>
               <a:defRPr sz="1200" b="1" i="0">
                 <a:latin typeface="Calibri"/>
               </a:defRPr>
@@ -4306,13 +4387,8 @@
                   <a:srgbClr val="000000"/>
                 </a:solidFill>
               </a:rPr>
-              <a:t>Mobile Voice Penetration Rates in Key Economies by Income Split </a:t>
-            </a:r>
-            <a:endParaRPr dirty="0">
-              <a:solidFill>
-                <a:srgbClr val="000000"/>
-              </a:solidFill>
-            </a:endParaRPr>
+              <a:t>Global Mobile Voice Penetration and ARPU  </a:t>
+            </a:r>
           </a:p>
         </p:txBody>
       </p:sp>
@@ -4369,7 +4445,7 @@
         <p:spPr>
           <a:xfrm>
             <a:off x="6480000" y="3636000"/>
-            <a:ext cx="4254626" cy="184666"/>
+            <a:ext cx="3626827" cy="184666"/>
           </a:xfrm>
           <a:prstGeom prst="rect">
             <a:avLst/>
@@ -4393,13 +4469,8 @@
                   <a:srgbClr val="000000"/>
                 </a:solidFill>
               </a:rPr>
-              <a:t>Mobile Voice Penetration Rates in Key Economies by Regional Split </a:t>
-            </a:r>
-            <a:endParaRPr dirty="0">
-              <a:solidFill>
-                <a:srgbClr val="000000"/>
-              </a:solidFill>
-            </a:endParaRPr>
+              <a:t>Global Mobile ARPU and Penetration Rate Development </a:t>
+            </a:r>
           </a:p>
         </p:txBody>
       </p:sp>
@@ -4511,17 +4582,66 @@
               <a:defRPr sz="1000" b="1"/>
             </a:pPr>
             <a:r>
-              <a:t>8</a:t>
-            </a:r>
+              <a:t>7</a:t>
+            </a:r>
+          </a:p>
+        </p:txBody>
+      </p:sp>
+      <p:sp>
+        <p:nvSpPr>
+          <p:cNvPr id="16" name="TextBox 15">
+            <a:extLst>
+              <a:ext uri="{FF2B5EF4-FFF2-40B4-BE49-F238E27FC236}">
+                <a16:creationId xmlns:a16="http://schemas.microsoft.com/office/drawing/2014/main" id="{6FD00CB1-50C1-4A86-8B30-1D98D55E51D1}"/>
+              </a:ext>
+            </a:extLst>
+          </p:cNvPr>
+          <p:cNvSpPr txBox="1"/>
+          <p:nvPr/>
+        </p:nvSpPr>
+        <p:spPr>
+          <a:xfrm>
+            <a:off x="719812" y="6178584"/>
+            <a:ext cx="4784964" cy="123111"/>
+          </a:xfrm>
+          <a:prstGeom prst="rect">
+            <a:avLst/>
+          </a:prstGeom>
+          <a:noFill/>
+        </p:spPr>
+        <p:txBody>
+          <a:bodyPr wrap="none" lIns="0" tIns="0" rIns="0" bIns="0">
+            <a:spAutoFit/>
+          </a:bodyPr>
+          <a:lstStyle/>
+          <a:p>
+            <a:pPr>
+              <a:defRPr sz="800" b="1" i="1">
+                <a:latin typeface="Calibri"/>
+              </a:defRPr>
+            </a:pPr>
+            <a:r>
+              <a:rPr lang="en-US" sz="800" dirty="0">
+                <a:solidFill>
+                  <a:srgbClr val="000000"/>
+                </a:solidFill>
+              </a:rPr>
+              <a:t>Note: correlation charts were produced manually in the preprocessing file because of their non-standard format</a:t>
+            </a:r>
+            <a:endParaRPr sz="800" dirty="0">
+              <a:solidFill>
+                <a:srgbClr val="000000"/>
+              </a:solidFill>
+            </a:endParaRPr>
           </a:p>
         </p:txBody>
       </p:sp>
       <p:pic>
         <p:nvPicPr>
-          <p:cNvPr id="16" name="Picture 15" descr="image.png">
+          <p:cNvPr id="17" name="Picture 16" descr="image.png">
             <a:extLst>
               <a:ext uri="{FF2B5EF4-FFF2-40B4-BE49-F238E27FC236}">
-                <a16:creationId xmlns:a16="http://schemas.microsoft.com/office/drawing/2014/main" id="{6922ACE0-E2AE-4E47-B075-4B64E090C91D}"/>
+                <a16:creationId xmlns:a16="http://schemas.microsoft.com/office/drawing/2014/main" id="{95E22782-2998-4F03-8F97-5360C21ABB7E}"/>
               </a:ext>
             </a:extLst>
           </p:cNvPr>
@@ -4548,10 +4668,10 @@
       </p:pic>
       <p:pic>
         <p:nvPicPr>
-          <p:cNvPr id="17" name="Picture 16" descr="image.png">
+          <p:cNvPr id="18" name="Picture 17" descr="image.png">
             <a:extLst>
               <a:ext uri="{FF2B5EF4-FFF2-40B4-BE49-F238E27FC236}">
-                <a16:creationId xmlns:a16="http://schemas.microsoft.com/office/drawing/2014/main" id="{225B6CFE-AA00-41BC-8B28-87EC1C6909F2}"/>
+                <a16:creationId xmlns:a16="http://schemas.microsoft.com/office/drawing/2014/main" id="{82929F66-551A-4765-B0B0-D82291D25AD9}"/>
               </a:ext>
             </a:extLst>
           </p:cNvPr>
@@ -4610,7 +4730,7 @@
         <p:spPr>
           <a:xfrm>
             <a:off x="720000" y="360000"/>
-            <a:ext cx="4589270" cy="369332"/>
+            <a:ext cx="10800000" cy="369332"/>
           </a:xfrm>
           <a:prstGeom prst="rect">
             <a:avLst/>
@@ -4618,7 +4738,7 @@
           <a:noFill/>
         </p:spPr>
         <p:txBody>
-          <a:bodyPr wrap="none" lIns="0" tIns="0" rIns="0" bIns="0">
+          <a:bodyPr wrap="square" lIns="0" tIns="0" rIns="0" bIns="0">
             <a:spAutoFit/>
           </a:bodyPr>
           <a:lstStyle/>
@@ -4634,7 +4754,7 @@
                   <a:srgbClr val="000000"/>
                 </a:solidFill>
               </a:rPr>
-              <a:t>Mobile Voice Market Size Overview </a:t>
+              <a:t>Mobile Voice Communications Penetration Rates Development </a:t>
             </a:r>
           </a:p>
         </p:txBody>
@@ -4691,8 +4811,8 @@
         </p:nvSpPr>
         <p:spPr>
           <a:xfrm>
-            <a:off x="720000" y="935999"/>
-            <a:ext cx="10800000" cy="1873875"/>
+            <a:off x="720000" y="936000"/>
+            <a:ext cx="10800000" cy="1880224"/>
           </a:xfrm>
           <a:prstGeom prst="rect">
             <a:avLst/>
@@ -4716,7 +4836,7 @@
               </a:buClr>
               <a:buFont typeface="Wingdings" panose="05000000000000000000" pitchFamily="2" charset="2"/>
               <a:buChar char="§"/>
-              <a:defRPr sz="1400" b="0" i="0">
+              <a:defRPr sz="1400" b="1" i="1">
                 <a:solidFill>
                   <a:srgbClr val="000000"/>
                 </a:solidFill>
@@ -4739,26 +4859,20 @@
           </a:lstStyle>
           <a:p>
             <a:r>
-              <a:rPr lang="en-US" dirty="0"/>
-              <a:t>Consistent with the global slide regional charts reflect a decline in mobile voice market since 2013 </a:t>
-            </a:r>
-          </a:p>
-          <a:p>
-            <a:r>
-              <a:rPr lang="en-US" dirty="0"/>
-              <a:t>The decline was stronger in the higher income economies due to the shift to data and messengers </a:t>
-            </a:r>
-          </a:p>
-          <a:p>
-            <a:r>
-              <a:rPr lang="en-US" dirty="0"/>
-              <a:t>Asia  was the only region, where mobile voice market still continued growing, which is partly explained by network coverage, catch up growth but also cultural preferences   </a:t>
-            </a:r>
-          </a:p>
-          <a:p>
-            <a:r>
-              <a:rPr lang="en-US" dirty="0"/>
-              <a:t>Since 2012 mobile operators were actively changing their business models to retain revenues and margins with very different success, the overall EBITDA margins erosion was roughly 15%-20% on average (not the focus of this presentation) </a:t>
+              <a:rPr lang="en-US" b="0" i="0" dirty="0"/>
+              <a:t>Mobile voice penetration rates in higher income regions were above the world average drive by business segment and IOT, while this is still a less significant factor in lower income economies </a:t>
+            </a:r>
+          </a:p>
+          <a:p>
+            <a:r>
+              <a:rPr lang="en-US" b="0" i="0" dirty="0"/>
+              <a:t>While the highest penetration rates in 2008-2023 in mobile voice market was in the CIS region the highest growth was in Asia and Africa </a:t>
+            </a:r>
+          </a:p>
+          <a:p>
+            <a:r>
+              <a:rPr lang="en-US" b="0" i="0" dirty="0"/>
+              <a:t>High CIS penetration rates are explained by low ARPU, popularity of corporate phones and frequent change of tariffs and operators </a:t>
             </a:r>
           </a:p>
         </p:txBody>
@@ -4772,7 +4886,7 @@
         <p:spPr>
           <a:xfrm>
             <a:off x="720000" y="3636000"/>
-            <a:ext cx="3781869" cy="184666"/>
+            <a:ext cx="4209614" cy="184666"/>
           </a:xfrm>
           <a:prstGeom prst="rect">
             <a:avLst/>
@@ -4785,7 +4899,7 @@
           </a:bodyPr>
           <a:lstStyle/>
           <a:p>
-            <a:pPr>
+            <a:pPr algn="l">
               <a:defRPr sz="1200" b="1" i="0">
                 <a:latin typeface="Calibri"/>
               </a:defRPr>
@@ -4796,8 +4910,13 @@
                   <a:srgbClr val="000000"/>
                 </a:solidFill>
               </a:rPr>
-              <a:t>Mobile Voice Market Size in Key Economies by Income Split </a:t>
-            </a:r>
+              <a:t>Mobile Voice Penetration Rates in Key Economies by Income Split </a:t>
+            </a:r>
+            <a:endParaRPr dirty="0">
+              <a:solidFill>
+                <a:srgbClr val="000000"/>
+              </a:solidFill>
+            </a:endParaRPr>
           </a:p>
         </p:txBody>
       </p:sp>
@@ -4854,7 +4973,7 @@
         <p:spPr>
           <a:xfrm>
             <a:off x="6480000" y="3636000"/>
-            <a:ext cx="3862148" cy="184666"/>
+            <a:ext cx="4254626" cy="184666"/>
           </a:xfrm>
           <a:prstGeom prst="rect">
             <a:avLst/>
@@ -4878,8 +4997,13 @@
                   <a:srgbClr val="000000"/>
                 </a:solidFill>
               </a:rPr>
-              <a:t>Mobile Voice Market Size in Key Economies by Regional Split </a:t>
-            </a:r>
+              <a:t>Mobile Voice Penetration Rates in Key Economies by Regional Split </a:t>
+            </a:r>
+            <a:endParaRPr dirty="0">
+              <a:solidFill>
+                <a:srgbClr val="000000"/>
+              </a:solidFill>
+            </a:endParaRPr>
           </a:p>
         </p:txBody>
       </p:sp>
@@ -4991,7 +5115,7 @@
               <a:defRPr sz="1000" b="1"/>
             </a:pPr>
             <a:r>
-              <a:t>10</a:t>
+              <a:t>8</a:t>
             </a:r>
           </a:p>
         </p:txBody>
@@ -5001,7 +5125,7 @@
           <p:cNvPr id="16" name="Picture 15" descr="image.png">
             <a:extLst>
               <a:ext uri="{FF2B5EF4-FFF2-40B4-BE49-F238E27FC236}">
-                <a16:creationId xmlns:a16="http://schemas.microsoft.com/office/drawing/2014/main" id="{103FF837-108D-4DC6-888A-F0C1BCB13163}"/>
+                <a16:creationId xmlns:a16="http://schemas.microsoft.com/office/drawing/2014/main" id="{6922ACE0-E2AE-4E47-B075-4B64E090C91D}"/>
               </a:ext>
             </a:extLst>
           </p:cNvPr>
@@ -5031,7 +5155,7 @@
           <p:cNvPr id="17" name="Picture 16" descr="image.png">
             <a:extLst>
               <a:ext uri="{FF2B5EF4-FFF2-40B4-BE49-F238E27FC236}">
-                <a16:creationId xmlns:a16="http://schemas.microsoft.com/office/drawing/2014/main" id="{74BA158F-B072-406F-8740-0C63591A2219}"/>
+                <a16:creationId xmlns:a16="http://schemas.microsoft.com/office/drawing/2014/main" id="{225B6CFE-AA00-41BC-8B28-87EC1C6909F2}"/>
               </a:ext>
             </a:extLst>
           </p:cNvPr>
@@ -9207,7 +9331,7 @@
         <p:spPr>
           <a:xfrm>
             <a:off x="720000" y="972000"/>
-            <a:ext cx="10800000" cy="5170646"/>
+            <a:ext cx="10800000" cy="4924425"/>
           </a:xfrm>
           <a:prstGeom prst="rect">
             <a:avLst/>
@@ -9242,7 +9366,7 @@
           <a:p>
             <a:r>
               <a:rPr lang="en-US" dirty="0"/>
-              <a:t>The golden era of mobile voice market was mainly completed growth till 2012 shifting to data and messengers from 2013 and on </a:t>
+              <a:t>The golden era of mobile voice market was disrupted by 2012 shifting to data and messengers from 2013 </a:t>
             </a:r>
             <a:r>
               <a:rPr dirty="0"/>
@@ -9251,19 +9375,19 @@
             </a:r>
             <a:r>
               <a:rPr lang="en-US" dirty="0"/>
-              <a:t>Despite the common expectation for the analyzed market phase the growth of subscribers leads to the decline of mobile voice market, however, it means that revenues shift to data and media market segments </a:t>
+              <a:t>Despite the common expectation the growth of subscribers leads to the decline of mobile voice market, however, it means that revenues shift to data and media market segments </a:t>
             </a:r>
           </a:p>
           <a:p>
             <a:r>
               <a:rPr lang="en-US" dirty="0"/>
-              <a:t>Part of revenues was also lost to social media and mobile apps driving EBITDA margins from the peaks of 52%-58% (higher than FAANNG – Facebook, Amazon, Apple, Netflix, Nvidia, Google) down to 32%-38% range </a:t>
+              <a:t>Part of revenues was lost to social media and mobile apps driving EBITDA margins from the peaks of 52%-58% (higher than FAANNG – Facebook, Amazon, Apple, Netflix, Nvidia, Google) down to 32%-38% range </a:t>
             </a:r>
           </a:p>
           <a:p>
             <a:r>
               <a:rPr lang="en-US" dirty="0"/>
-              <a:t>Mobile operators are seeking for new content- and service- based growth models to avoid becoming a data traffic pipeline with quite varying but still limited success (from negative to within 10% EBITDA margin effect)</a:t>
+              <a:t>Mobile operators are seeking for new content- and service- based growth models to avoid becoming a data traffic pipeline with varying but limited success (from negative to less than 10% EBITDA margin effect)</a:t>
             </a:r>
           </a:p>
           <a:p>
@@ -9283,7 +9407,7 @@
           <a:p>
             <a:r>
               <a:rPr lang="en-US" dirty="0"/>
-              <a:t>Due to mobile number portability people often get promotional accounts and change operators more often than before </a:t>
+              <a:t>Due to mobile number portability people change operators more often than before and often keep promotional SIM cards  </a:t>
             </a:r>
           </a:p>
           <a:p>
@@ -10439,7 +10563,7 @@
         <p:spPr>
           <a:xfrm>
             <a:off x="720000" y="360000"/>
-            <a:ext cx="3625031" cy="369332"/>
+            <a:ext cx="4589270" cy="369332"/>
           </a:xfrm>
           <a:prstGeom prst="rect">
             <a:avLst/>
@@ -10452,7 +10576,7 @@
           </a:bodyPr>
           <a:lstStyle/>
           <a:p>
-            <a:pPr algn="l">
+            <a:pPr>
               <a:defRPr sz="2400" b="1" i="0">
                 <a:latin typeface="Calibri"/>
               </a:defRPr>
@@ -10463,13 +10587,8 @@
                   <a:srgbClr val="000000"/>
                 </a:solidFill>
               </a:rPr>
-              <a:t>Growth Drivers: Subscribers </a:t>
-            </a:r>
-            <a:endParaRPr dirty="0">
-              <a:solidFill>
-                <a:srgbClr val="000000"/>
-              </a:solidFill>
-            </a:endParaRPr>
+              <a:t>Mobile Voice Market Size Overview </a:t>
+            </a:r>
           </a:p>
         </p:txBody>
       </p:sp>
@@ -10525,8 +10644,8 @@
         </p:nvSpPr>
         <p:spPr>
           <a:xfrm>
-            <a:off x="720000" y="935998"/>
-            <a:ext cx="10800000" cy="2520001"/>
+            <a:off x="720000" y="935999"/>
+            <a:ext cx="10800000" cy="1873875"/>
           </a:xfrm>
           <a:prstGeom prst="rect">
             <a:avLst/>
@@ -10550,100 +10669,50 @@
               </a:buClr>
               <a:buFont typeface="Wingdings" panose="05000000000000000000" pitchFamily="2" charset="2"/>
               <a:buChar char="§"/>
-              <a:defRPr sz="1400" b="1" i="1">
+              <a:defRPr sz="1400" b="0" i="0">
                 <a:solidFill>
                   <a:srgbClr val="000000"/>
                 </a:solidFill>
                 <a:latin typeface="Calibri"/>
               </a:defRPr>
             </a:lvl1pPr>
-          </a:lstStyle>
-          <a:p>
-            <a:r>
-              <a:rPr lang="en-US" b="0" i="0" dirty="0"/>
-              <a:t>The growth in the number of subscribers was the key driver for the global mobile voice market since the start of the market in 1990s </a:t>
-            </a:r>
-          </a:p>
-          <a:p>
-            <a:r>
-              <a:rPr lang="en-US" b="0" i="0" dirty="0"/>
-              <a:t>However, the correlation for 2008 – 2023 was negative (0.75) with the key reasons being: </a:t>
-            </a:r>
-          </a:p>
-          <a:p>
-            <a:pPr marL="742950" lvl="1" indent="-285750">
+            <a:lvl2pPr marL="742950" lvl="1" indent="-285750">
               <a:spcAft>
                 <a:spcPts val="1200"/>
               </a:spcAft>
               <a:buFont typeface="Calibri" panose="020F0502020204030204" pitchFamily="34" charset="0"/>
               <a:buChar char="‒"/>
-            </a:pPr>
-            <a:r>
-              <a:rPr lang="en-US" sz="1400" dirty="0">
-                <a:solidFill>
-                  <a:srgbClr val="000000"/>
-                </a:solidFill>
-                <a:latin typeface="Calibri"/>
-              </a:rPr>
-              <a:t>Most of the market growth happened in late 1990s -2008, which we don’t see in the available data </a:t>
-            </a:r>
-          </a:p>
-          <a:p>
-            <a:pPr marL="742950" lvl="1" indent="-285750">
-              <a:spcAft>
-                <a:spcPts val="1200"/>
-              </a:spcAft>
-              <a:buFont typeface="Calibri" panose="020F0502020204030204" pitchFamily="34" charset="0"/>
-              <a:buChar char="‒"/>
-            </a:pPr>
-            <a:r>
-              <a:rPr lang="en-US" sz="1400" dirty="0">
-                <a:solidFill>
-                  <a:srgbClr val="000000"/>
-                </a:solidFill>
-                <a:latin typeface="Calibri"/>
-              </a:rPr>
-              <a:t>The mobile voice market was falling after 2012 explained by the shift to data and messengers with cheaper package-pricing for data traffic and no interconnection and landing fees  </a:t>
-            </a:r>
-          </a:p>
-          <a:p>
-            <a:pPr marL="742950" lvl="1" indent="-285750">
-              <a:spcAft>
-                <a:spcPts val="1200"/>
-              </a:spcAft>
-              <a:buFont typeface="Calibri" panose="020F0502020204030204" pitchFamily="34" charset="0"/>
-              <a:buChar char="‒"/>
-            </a:pPr>
-            <a:r>
-              <a:rPr lang="en-US" sz="1400" dirty="0">
-                <a:solidFill>
-                  <a:srgbClr val="000000"/>
-                </a:solidFill>
-                <a:latin typeface="Calibri"/>
-              </a:rPr>
-              <a:t>General preference to interact in writing compared to making voice calls </a:t>
-            </a:r>
-          </a:p>
-          <a:p>
-            <a:r>
-              <a:rPr lang="en-US" b="0" i="0" dirty="0"/>
-              <a:t>Mobile operators are seeking for new business models including the provision of more content and building of eco-systems, some still suggest taxing social network and messenger companies a traffic charge for consumer access to social media content  </a:t>
-            </a:r>
-          </a:p>
-          <a:p>
-            <a:pPr marL="742950" lvl="1" indent="-285750">
-              <a:spcAft>
-                <a:spcPts val="1200"/>
-              </a:spcAft>
-              <a:buFont typeface="Calibri" panose="020F0502020204030204" pitchFamily="34" charset="0"/>
-              <a:buChar char="‒"/>
-            </a:pPr>
-            <a:endParaRPr lang="en-US" sz="1400" b="1" i="1" dirty="0">
-              <a:solidFill>
-                <a:srgbClr val="000000"/>
-              </a:solidFill>
-              <a:latin typeface="Calibri"/>
-            </a:endParaRPr>
+              <a:defRPr sz="1400" b="1" i="1">
+                <a:solidFill>
+                  <a:srgbClr val="000000"/>
+                </a:solidFill>
+                <a:latin typeface="Calibri"/>
+              </a:defRPr>
+            </a:lvl2pPr>
+          </a:lstStyle>
+          <a:p>
+            <a:r>
+              <a:rPr lang="en-US" dirty="0"/>
+              <a:t>Consistent with the global slide regional charts reflect a decline in mobile voice market since 2013 </a:t>
+            </a:r>
+          </a:p>
+          <a:p>
+            <a:r>
+              <a:rPr lang="en-US" dirty="0"/>
+              <a:t>The decline was stronger in the higher income economies due to the shift to data and messengers </a:t>
+            </a:r>
+          </a:p>
+          <a:p>
+            <a:r>
+              <a:rPr lang="en-US" dirty="0"/>
+              <a:t>Asia  was the only region, where mobile voice market still continued growing, which is partly explained by network coverage, catch up growth but also cultural preferences   </a:t>
+            </a:r>
+          </a:p>
+          <a:p>
+            <a:r>
+              <a:rPr lang="en-US" dirty="0"/>
+              <a:t>Since 2012 mobile operators were actively changing their business models to retain revenues and margins with very different success, the overall EBITDA margins erosion was roughly 15%-20% on average (not the focus of this presentation) </a:t>
+            </a:r>
           </a:p>
         </p:txBody>
       </p:sp>
@@ -10656,7 +10725,7 @@
         <p:spPr>
           <a:xfrm>
             <a:off x="720000" y="3636000"/>
-            <a:ext cx="3838167" cy="184666"/>
+            <a:ext cx="3781869" cy="184666"/>
           </a:xfrm>
           <a:prstGeom prst="rect">
             <a:avLst/>
@@ -10669,7 +10738,7 @@
           </a:bodyPr>
           <a:lstStyle/>
           <a:p>
-            <a:pPr algn="l">
+            <a:pPr>
               <a:defRPr sz="1200" b="1" i="0">
                 <a:latin typeface="Calibri"/>
               </a:defRPr>
@@ -10680,13 +10749,8 @@
                   <a:srgbClr val="000000"/>
                 </a:solidFill>
               </a:rPr>
-              <a:t>Global Mobile Voice Subscribers and Market Size Regression </a:t>
-            </a:r>
-            <a:endParaRPr dirty="0">
-              <a:solidFill>
-                <a:srgbClr val="000000"/>
-              </a:solidFill>
-            </a:endParaRPr>
+              <a:t>Mobile Voice Market Size in Key Economies by Income Split </a:t>
+            </a:r>
           </a:p>
         </p:txBody>
       </p:sp>
@@ -10704,11 +10768,11 @@
           <a:prstGeom prst="rect">
             <a:avLst/>
           </a:prstGeom>
-          <a:noFill/>
+          <a:solidFill>
+            <a:srgbClr val="C00000"/>
+          </a:solidFill>
           <a:ln w="12700">
-            <a:solidFill>
-              <a:srgbClr val="C00000"/>
-            </a:solidFill>
+            <a:noFill/>
           </a:ln>
         </p:spPr>
         <p:style>
@@ -10743,7 +10807,7 @@
         <p:spPr>
           <a:xfrm>
             <a:off x="6480000" y="3636000"/>
-            <a:ext cx="3903633" cy="184666"/>
+            <a:ext cx="3862148" cy="184666"/>
           </a:xfrm>
           <a:prstGeom prst="rect">
             <a:avLst/>
@@ -10756,7 +10820,7 @@
           </a:bodyPr>
           <a:lstStyle/>
           <a:p>
-            <a:pPr algn="l">
+            <a:pPr>
               <a:defRPr sz="1200" b="1" i="0">
                 <a:latin typeface="Calibri"/>
               </a:defRPr>
@@ -10767,13 +10831,8 @@
                   <a:srgbClr val="000000"/>
                 </a:solidFill>
               </a:rPr>
-              <a:t>Global Mobile Market Size and Subscriber Base Development </a:t>
-            </a:r>
-            <a:endParaRPr dirty="0">
-              <a:solidFill>
-                <a:srgbClr val="000000"/>
-              </a:solidFill>
-            </a:endParaRPr>
+              <a:t>Mobile Voice Market Size in Key Economies by Regional Split </a:t>
+            </a:r>
           </a:p>
         </p:txBody>
       </p:sp>
@@ -10791,11 +10850,11 @@
           <a:prstGeom prst="rect">
             <a:avLst/>
           </a:prstGeom>
-          <a:noFill/>
+          <a:solidFill>
+            <a:srgbClr val="C00000"/>
+          </a:solidFill>
           <a:ln w="12700">
-            <a:solidFill>
-              <a:srgbClr val="C00000"/>
-            </a:solidFill>
+            <a:noFill/>
           </a:ln>
         </p:spPr>
         <p:style>
@@ -10885,66 +10944,17 @@
               <a:defRPr sz="1000" b="1"/>
             </a:pPr>
             <a:r>
-              <a:t>6</a:t>
-            </a:r>
-          </a:p>
-        </p:txBody>
-      </p:sp>
-      <p:sp>
-        <p:nvSpPr>
-          <p:cNvPr id="16" name="TextBox 15">
+              <a:t>10</a:t>
+            </a:r>
+          </a:p>
+        </p:txBody>
+      </p:sp>
+      <p:pic>
+        <p:nvPicPr>
+          <p:cNvPr id="16" name="Picture 15" descr="image.png">
             <a:extLst>
               <a:ext uri="{FF2B5EF4-FFF2-40B4-BE49-F238E27FC236}">
-                <a16:creationId xmlns:a16="http://schemas.microsoft.com/office/drawing/2014/main" id="{BD3F9157-0BC4-4C13-9CC5-DF24CCC966F8}"/>
-              </a:ext>
-            </a:extLst>
-          </p:cNvPr>
-          <p:cNvSpPr txBox="1"/>
-          <p:nvPr/>
-        </p:nvSpPr>
-        <p:spPr>
-          <a:xfrm>
-            <a:off x="719812" y="6178584"/>
-            <a:ext cx="4784964" cy="123111"/>
-          </a:xfrm>
-          <a:prstGeom prst="rect">
-            <a:avLst/>
-          </a:prstGeom>
-          <a:noFill/>
-        </p:spPr>
-        <p:txBody>
-          <a:bodyPr wrap="none" lIns="0" tIns="0" rIns="0" bIns="0">
-            <a:spAutoFit/>
-          </a:bodyPr>
-          <a:lstStyle/>
-          <a:p>
-            <a:pPr>
-              <a:defRPr sz="800" b="1" i="1">
-                <a:latin typeface="Calibri"/>
-              </a:defRPr>
-            </a:pPr>
-            <a:r>
-              <a:rPr lang="en-US" sz="800" dirty="0">
-                <a:solidFill>
-                  <a:srgbClr val="000000"/>
-                </a:solidFill>
-              </a:rPr>
-              <a:t>Note: correlation charts were produced manually in the preprocessing file because of their non-standard format</a:t>
-            </a:r>
-            <a:endParaRPr sz="800" dirty="0">
-              <a:solidFill>
-                <a:srgbClr val="000000"/>
-              </a:solidFill>
-            </a:endParaRPr>
-          </a:p>
-        </p:txBody>
-      </p:sp>
-      <p:pic>
-        <p:nvPicPr>
-          <p:cNvPr id="17" name="Picture 16" descr="image.png">
-            <a:extLst>
-              <a:ext uri="{FF2B5EF4-FFF2-40B4-BE49-F238E27FC236}">
-                <a16:creationId xmlns:a16="http://schemas.microsoft.com/office/drawing/2014/main" id="{305FA56C-CCD2-443A-A03C-BC042174091C}"/>
+                <a16:creationId xmlns:a16="http://schemas.microsoft.com/office/drawing/2014/main" id="{103FF837-108D-4DC6-888A-F0C1BCB13163}"/>
               </a:ext>
             </a:extLst>
           </p:cNvPr>
@@ -10971,10 +10981,10 @@
       </p:pic>
       <p:pic>
         <p:nvPicPr>
-          <p:cNvPr id="18" name="Picture 17" descr="image.png">
+          <p:cNvPr id="17" name="Picture 16" descr="image.png">
             <a:extLst>
               <a:ext uri="{FF2B5EF4-FFF2-40B4-BE49-F238E27FC236}">
-                <a16:creationId xmlns:a16="http://schemas.microsoft.com/office/drawing/2014/main" id="{D275A10F-8C96-4E01-BB4A-03195EAF9B57}"/>
+                <a16:creationId xmlns:a16="http://schemas.microsoft.com/office/drawing/2014/main" id="{74BA158F-B072-406F-8740-0C63591A2219}"/>
               </a:ext>
             </a:extLst>
           </p:cNvPr>

--- a/ITU Mobile Telecoms by Pandas Presentation.pptx
+++ b/ITU Mobile Telecoms by Pandas Presentation.pptx
@@ -3114,8 +3114,8 @@
         </p:nvSpPr>
         <p:spPr>
           <a:xfrm>
-            <a:off x="616488" y="2520000"/>
-            <a:ext cx="11007052" cy="553998"/>
+            <a:off x="878258" y="2520000"/>
+            <a:ext cx="10483511" cy="523220"/>
           </a:xfrm>
           <a:prstGeom prst="rect">
             <a:avLst/>
@@ -3134,26 +3134,16 @@
               </a:defRPr>
             </a:pPr>
             <a:r>
-              <a:rPr lang="en-US" sz="3600">
+              <a:rPr lang="en-US" sz="3400" dirty="0">
                 <a:solidFill>
                   <a:schemeClr val="accent1">
                     <a:lumMod val="50000"/>
                   </a:schemeClr>
                 </a:solidFill>
               </a:rPr>
-              <a:t>Mobile Voice Communications </a:t>
-            </a:r>
-            <a:r>
-              <a:rPr lang="en-US" sz="3600" dirty="0">
-                <a:solidFill>
-                  <a:schemeClr val="accent1">
-                    <a:lumMod val="50000"/>
-                  </a:schemeClr>
-                </a:solidFill>
-              </a:rPr>
-              <a:t>Development in 2008-2023</a:t>
-            </a:r>
-            <a:endParaRPr sz="3600" dirty="0">
+              <a:t>Mobile Voice Communications Development in 2008-2023</a:t>
+            </a:r>
+            <a:endParaRPr sz="3400" dirty="0">
               <a:solidFill>
                 <a:schemeClr val="accent1">
                   <a:lumMod val="50000"/>
@@ -8267,7 +8257,7 @@
         <p:spPr>
           <a:xfrm>
             <a:off x="720000" y="972000"/>
-            <a:ext cx="10800000" cy="5663089"/>
+            <a:ext cx="10800000" cy="5416868"/>
           </a:xfrm>
           <a:prstGeom prst="rect">
             <a:avLst/>
@@ -8817,7 +8807,7 @@
                 </a:solidFill>
                 <a:latin typeface="Calibri"/>
               </a:rPr>
-              <a:t>The analysis on the following slides is </a:t>
+              <a:t>The analysis  here is </a:t>
             </a:r>
             <a:r>
               <a:rPr lang="en-US" sz="1600" b="1" dirty="0">
@@ -8835,11 +8825,8 @@
                 </a:solidFill>
                 <a:latin typeface="Calibri"/>
               </a:rPr>
-              <a:t>, for shortcut the missing conclusions are provided by the author, because the focus of this is python-based data processing capacity rather than full-scale financial analysis </a:t>
-            </a:r>
-            <a:br>
-              <a:rPr sz="1600" dirty="0"/>
-            </a:br>
+              <a:t>, for shortcut the missing conclusions are provided by the author without references intentionally, the focus of this is python-based data processing capacity rather than full-scale financial analysis </a:t>
+            </a:r>
             <a:endParaRPr sz="1600" dirty="0"/>
           </a:p>
         </p:txBody>

--- a/ITU Mobile Telecoms by Pandas Presentation.pptx
+++ b/ITU Mobile Telecoms by Pandas Presentation.pptx
@@ -21,7 +21,6 @@
     <p:sldId id="272" r:id="rId15"/>
     <p:sldId id="278" r:id="rId16"/>
     <p:sldId id="274" r:id="rId17"/>
-    <p:sldId id="273" r:id="rId18"/>
   </p:sldIdLst>
   <p:sldSz cx="12188825" cy="6858000"/>
   <p:notesSz cx="6858000" cy="9144000"/>
@@ -4038,8 +4037,8 @@
         </p:nvSpPr>
         <p:spPr>
           <a:xfrm>
-            <a:off x="11288952" y="6498000"/>
-            <a:ext cx="720000" cy="360000"/>
+            <a:off x="11490896" y="6498000"/>
+            <a:ext cx="316112" cy="246221"/>
           </a:xfrm>
           <a:prstGeom prst="rect">
             <a:avLst/>
@@ -4056,8 +4055,10 @@
               <a:defRPr sz="1000" b="1"/>
             </a:pPr>
             <a:r>
-              <a:t>6</a:t>
-            </a:r>
+              <a:rPr lang="en-US" dirty="0"/>
+              <a:t>10</a:t>
+            </a:r>
+            <a:endParaRPr dirty="0"/>
           </a:p>
         </p:txBody>
       </p:sp>
@@ -4554,8 +4555,8 @@
         </p:nvSpPr>
         <p:spPr>
           <a:xfrm>
-            <a:off x="11288952" y="6498000"/>
-            <a:ext cx="720000" cy="360000"/>
+            <a:off x="11490896" y="6498000"/>
+            <a:ext cx="316112" cy="246221"/>
           </a:xfrm>
           <a:prstGeom prst="rect">
             <a:avLst/>
@@ -4572,8 +4573,10 @@
               <a:defRPr sz="1000" b="1"/>
             </a:pPr>
             <a:r>
-              <a:t>7</a:t>
-            </a:r>
+              <a:rPr lang="en-US" dirty="0"/>
+              <a:t>11</a:t>
+            </a:r>
+            <a:endParaRPr dirty="0"/>
           </a:p>
         </p:txBody>
       </p:sp>
@@ -5087,8 +5090,8 @@
         </p:nvSpPr>
         <p:spPr>
           <a:xfrm>
-            <a:off x="11288952" y="6498000"/>
-            <a:ext cx="720000" cy="360000"/>
+            <a:off x="11490896" y="6498000"/>
+            <a:ext cx="316112" cy="246221"/>
           </a:xfrm>
           <a:prstGeom prst="rect">
             <a:avLst/>
@@ -5105,8 +5108,10 @@
               <a:defRPr sz="1000" b="1"/>
             </a:pPr>
             <a:r>
-              <a:t>8</a:t>
-            </a:r>
+              <a:rPr lang="en-US" dirty="0"/>
+              <a:t>12</a:t>
+            </a:r>
+            <a:endParaRPr dirty="0"/>
           </a:p>
         </p:txBody>
       </p:sp>
@@ -5795,8 +5800,8 @@
         </p:nvSpPr>
         <p:spPr>
           <a:xfrm>
-            <a:off x="11288952" y="6498000"/>
-            <a:ext cx="720000" cy="360000"/>
+            <a:off x="11490896" y="6498000"/>
+            <a:ext cx="316112" cy="246221"/>
           </a:xfrm>
           <a:prstGeom prst="rect">
             <a:avLst/>
@@ -5813,8 +5818,10 @@
               <a:defRPr sz="1000" b="1"/>
             </a:pPr>
             <a:r>
-              <a:t>14</a:t>
-            </a:r>
+              <a:rPr lang="en-US" dirty="0"/>
+              <a:t>13</a:t>
+            </a:r>
+            <a:endParaRPr dirty="0"/>
           </a:p>
         </p:txBody>
       </p:sp>
@@ -6427,8 +6434,8 @@
         </p:nvSpPr>
         <p:spPr>
           <a:xfrm>
-            <a:off x="11288952" y="6498000"/>
-            <a:ext cx="720000" cy="360000"/>
+            <a:off x="11490896" y="6498000"/>
+            <a:ext cx="316112" cy="246221"/>
           </a:xfrm>
           <a:prstGeom prst="rect">
             <a:avLst/>
@@ -6445,8 +6452,14 @@
               <a:defRPr sz="1000" b="1"/>
             </a:pPr>
             <a:r>
-              <a:t>15</a:t>
-            </a:r>
+              <a:rPr dirty="0"/>
+              <a:t>1</a:t>
+            </a:r>
+            <a:r>
+              <a:rPr lang="en-US" dirty="0"/>
+              <a:t>4</a:t>
+            </a:r>
+            <a:endParaRPr dirty="0"/>
           </a:p>
         </p:txBody>
       </p:sp>
@@ -6727,8 +6740,8 @@
         </p:nvSpPr>
         <p:spPr>
           <a:xfrm>
-            <a:off x="11288952" y="6498000"/>
-            <a:ext cx="720000" cy="360000"/>
+            <a:off x="11490896" y="6498000"/>
+            <a:ext cx="316112" cy="246221"/>
           </a:xfrm>
           <a:prstGeom prst="rect">
             <a:avLst/>
@@ -6745,8 +6758,10 @@
               <a:defRPr sz="1000" b="1"/>
             </a:pPr>
             <a:r>
-              <a:t>4</a:t>
-            </a:r>
+              <a:rPr lang="en-US" dirty="0"/>
+              <a:t>15</a:t>
+            </a:r>
+            <a:endParaRPr dirty="0"/>
           </a:p>
         </p:txBody>
       </p:sp>
@@ -7119,8 +7134,8 @@
         </p:nvSpPr>
         <p:spPr>
           <a:xfrm>
-            <a:off x="11288952" y="6498000"/>
-            <a:ext cx="720000" cy="360000"/>
+            <a:off x="11490896" y="6498000"/>
+            <a:ext cx="316112" cy="246221"/>
           </a:xfrm>
           <a:prstGeom prst="rect">
             <a:avLst/>
@@ -7137,8 +7152,10 @@
               <a:defRPr sz="1000" b="1"/>
             </a:pPr>
             <a:r>
-              <a:t>4</a:t>
-            </a:r>
+              <a:rPr lang="en-US" dirty="0"/>
+              <a:t>16</a:t>
+            </a:r>
+            <a:endParaRPr dirty="0"/>
           </a:p>
         </p:txBody>
       </p:sp>
@@ -7176,858 +7193,6 @@
     <p:extLst>
       <p:ext uri="{BB962C8B-B14F-4D97-AF65-F5344CB8AC3E}">
         <p14:creationId xmlns:p14="http://schemas.microsoft.com/office/powerpoint/2010/main" val="4143523332"/>
-      </p:ext>
-    </p:extLst>
-  </p:cSld>
-  <p:clrMapOvr>
-    <a:masterClrMapping/>
-  </p:clrMapOvr>
-</p:sld>
-</file>
-
-<file path=ppt/slides/slide17.xml><?xml version="1.0" encoding="utf-8"?>
-<p:sld xmlns:a="http://schemas.openxmlformats.org/drawingml/2006/main" xmlns:r="http://schemas.openxmlformats.org/officeDocument/2006/relationships" xmlns:p="http://schemas.openxmlformats.org/presentationml/2006/main">
-  <p:cSld>
-    <p:spTree>
-      <p:nvGrpSpPr>
-        <p:cNvPr id="1" name=""/>
-        <p:cNvGrpSpPr/>
-        <p:nvPr/>
-      </p:nvGrpSpPr>
-      <p:grpSpPr>
-        <a:xfrm>
-          <a:off x="0" y="0"/>
-          <a:ext cx="0" cy="0"/>
-          <a:chOff x="0" y="0"/>
-          <a:chExt cx="0" cy="0"/>
-        </a:xfrm>
-      </p:grpSpPr>
-      <p:sp>
-        <p:nvSpPr>
-          <p:cNvPr id="2" name="TextBox 1"/>
-          <p:cNvSpPr txBox="1"/>
-          <p:nvPr/>
-        </p:nvSpPr>
-        <p:spPr>
-          <a:xfrm>
-            <a:off x="720000" y="360000"/>
-            <a:ext cx="2161874" cy="369332"/>
-          </a:xfrm>
-          <a:prstGeom prst="rect">
-            <a:avLst/>
-          </a:prstGeom>
-          <a:noFill/>
-        </p:spPr>
-        <p:txBody>
-          <a:bodyPr wrap="none" lIns="0" tIns="0" rIns="0" bIns="0">
-            <a:spAutoFit/>
-          </a:bodyPr>
-          <a:lstStyle/>
-          <a:p>
-            <a:pPr algn="l">
-              <a:defRPr sz="2400" b="1" i="0">
-                <a:latin typeface="Calibri"/>
-              </a:defRPr>
-            </a:pPr>
-            <a:r>
-              <a:rPr lang="en-US" dirty="0">
-                <a:solidFill>
-                  <a:srgbClr val="000000"/>
-                </a:solidFill>
-              </a:rPr>
-              <a:t>Project Snapshot</a:t>
-            </a:r>
-            <a:endParaRPr dirty="0">
-              <a:solidFill>
-                <a:srgbClr val="000000"/>
-              </a:solidFill>
-            </a:endParaRPr>
-          </a:p>
-        </p:txBody>
-      </p:sp>
-      <p:sp>
-        <p:nvSpPr>
-          <p:cNvPr id="3" name="Rectangle 2"/>
-          <p:cNvSpPr/>
-          <p:nvPr/>
-        </p:nvSpPr>
-        <p:spPr>
-          <a:xfrm>
-            <a:off x="720000" y="792000"/>
-            <a:ext cx="10800000" cy="12700"/>
-          </a:xfrm>
-          <a:prstGeom prst="rect">
-            <a:avLst/>
-          </a:prstGeom>
-          <a:noFill/>
-          <a:ln w="12700">
-            <a:solidFill>
-              <a:srgbClr val="C00000"/>
-            </a:solidFill>
-          </a:ln>
-        </p:spPr>
-        <p:style>
-          <a:lnRef idx="1">
-            <a:schemeClr val="accent1"/>
-          </a:lnRef>
-          <a:fillRef idx="3">
-            <a:schemeClr val="accent1"/>
-          </a:fillRef>
-          <a:effectRef idx="2">
-            <a:schemeClr val="accent1"/>
-          </a:effectRef>
-          <a:fontRef idx="minor">
-            <a:schemeClr val="lt1"/>
-          </a:fontRef>
-        </p:style>
-        <p:txBody>
-          <a:bodyPr rtlCol="0" anchor="ctr"/>
-          <a:lstStyle/>
-          <a:p>
-            <a:pPr algn="ctr"/>
-            <a:endParaRPr/>
-          </a:p>
-        </p:txBody>
-      </p:sp>
-      <p:sp>
-        <p:nvSpPr>
-          <p:cNvPr id="4" name="TextBox 3"/>
-          <p:cNvSpPr txBox="1"/>
-          <p:nvPr/>
-        </p:nvSpPr>
-        <p:spPr>
-          <a:xfrm>
-            <a:off x="720000" y="940690"/>
-            <a:ext cx="10800000" cy="569387"/>
-          </a:xfrm>
-          <a:prstGeom prst="rect">
-            <a:avLst/>
-          </a:prstGeom>
-          <a:noFill/>
-        </p:spPr>
-        <p:txBody>
-          <a:bodyPr wrap="square" lIns="0" tIns="0" rIns="0" bIns="0">
-            <a:spAutoFit/>
-          </a:bodyPr>
-          <a:lstStyle/>
-          <a:p>
-            <a:pPr marL="285750" indent="-285750">
-              <a:spcAft>
-                <a:spcPts val="600"/>
-              </a:spcAft>
-              <a:buClr>
-                <a:srgbClr val="C00000"/>
-              </a:buClr>
-              <a:buFont typeface="Wingdings" panose="05000000000000000000" pitchFamily="2" charset="2"/>
-              <a:buChar char="§"/>
-              <a:defRPr sz="1400" b="0" i="0">
-                <a:latin typeface="Calibri"/>
-              </a:defRPr>
-            </a:pPr>
-            <a:r>
-              <a:rPr lang="en-US" sz="1600" dirty="0">
-                <a:solidFill>
-                  <a:srgbClr val="000000"/>
-                </a:solidFill>
-                <a:latin typeface="Calibri"/>
-              </a:rPr>
-              <a:t>The Project pre-processes csv mobile voice data from ITU website and automates making charts, slides and presentations  </a:t>
-            </a:r>
-          </a:p>
-          <a:p>
-            <a:pPr marL="285750" indent="-285750">
-              <a:spcAft>
-                <a:spcPts val="600"/>
-              </a:spcAft>
-              <a:buClr>
-                <a:srgbClr val="C00000"/>
-              </a:buClr>
-              <a:buFont typeface="Wingdings" panose="05000000000000000000" pitchFamily="2" charset="2"/>
-              <a:buChar char="§"/>
-              <a:defRPr sz="1400" b="0" i="0">
-                <a:latin typeface="Calibri"/>
-              </a:defRPr>
-            </a:pPr>
-            <a:r>
-              <a:rPr lang="en-US" sz="1600" dirty="0">
-                <a:solidFill>
-                  <a:srgbClr val="000000"/>
-                </a:solidFill>
-                <a:latin typeface="Calibri"/>
-              </a:rPr>
-              <a:t>The Project menu launched from </a:t>
-            </a:r>
-            <a:r>
-              <a:rPr lang="en-US" sz="1600" dirty="0" err="1">
-                <a:solidFill>
-                  <a:srgbClr val="000000"/>
-                </a:solidFill>
-                <a:latin typeface="Calibri"/>
-              </a:rPr>
-              <a:t>ITU_Main</a:t>
-            </a:r>
-            <a:r>
-              <a:rPr lang="en-US" sz="1600" dirty="0">
-                <a:solidFill>
-                  <a:srgbClr val="000000"/>
-                </a:solidFill>
-                <a:latin typeface="Calibri"/>
-              </a:rPr>
-              <a:t>, supporting files include </a:t>
-            </a:r>
-            <a:r>
-              <a:rPr lang="en-US" sz="1600" dirty="0" err="1">
-                <a:solidFill>
-                  <a:srgbClr val="000000"/>
-                </a:solidFill>
-                <a:latin typeface="Calibri"/>
-              </a:rPr>
-              <a:t>ITU_Utilities</a:t>
-            </a:r>
-            <a:r>
-              <a:rPr lang="en-US" sz="1600" dirty="0">
-                <a:solidFill>
-                  <a:srgbClr val="000000"/>
-                </a:solidFill>
-                <a:latin typeface="Calibri"/>
-              </a:rPr>
-              <a:t> , </a:t>
-            </a:r>
-            <a:r>
-              <a:rPr lang="en-US" sz="1600" dirty="0" err="1">
-                <a:solidFill>
-                  <a:srgbClr val="000000"/>
-                </a:solidFill>
-                <a:latin typeface="Calibri"/>
-              </a:rPr>
-              <a:t>Create_Charts</a:t>
-            </a:r>
-            <a:endParaRPr sz="1600" dirty="0"/>
-          </a:p>
-        </p:txBody>
-      </p:sp>
-      <p:sp>
-        <p:nvSpPr>
-          <p:cNvPr id="5" name="TextBox 4"/>
-          <p:cNvSpPr txBox="1"/>
-          <p:nvPr/>
-        </p:nvSpPr>
-        <p:spPr>
-          <a:xfrm>
-            <a:off x="11292119" y="6390000"/>
-            <a:ext cx="720000" cy="360000"/>
-          </a:xfrm>
-          <a:prstGeom prst="rect">
-            <a:avLst/>
-          </a:prstGeom>
-          <a:noFill/>
-        </p:spPr>
-        <p:txBody>
-          <a:bodyPr wrap="none" lIns="0" tIns="0" rIns="0" bIns="0">
-            <a:spAutoFit/>
-          </a:bodyPr>
-          <a:lstStyle/>
-          <a:p>
-            <a:pPr algn="r">
-              <a:defRPr sz="1000" b="0" i="1">
-                <a:latin typeface="Calibri"/>
-              </a:defRPr>
-            </a:pPr>
-            <a:r>
-              <a:rPr>
-                <a:solidFill>
-                  <a:srgbClr val="000000"/>
-                </a:solidFill>
-              </a:rPr>
-              <a:t>2</a:t>
-            </a:r>
-          </a:p>
-        </p:txBody>
-      </p:sp>
-      <p:grpSp>
-        <p:nvGrpSpPr>
-          <p:cNvPr id="12" name="Group 11">
-            <a:extLst>
-              <a:ext uri="{FF2B5EF4-FFF2-40B4-BE49-F238E27FC236}">
-                <a16:creationId xmlns:a16="http://schemas.microsoft.com/office/drawing/2014/main" id="{288C4081-DC5F-46EF-82C1-A0FBE785CCE9}"/>
-              </a:ext>
-            </a:extLst>
-          </p:cNvPr>
-          <p:cNvGrpSpPr/>
-          <p:nvPr/>
-        </p:nvGrpSpPr>
-        <p:grpSpPr>
-          <a:xfrm>
-            <a:off x="1108145" y="1707128"/>
-            <a:ext cx="8516146" cy="5170647"/>
-            <a:chOff x="572436" y="1369228"/>
-            <a:chExt cx="8516146" cy="5170647"/>
-          </a:xfrm>
-        </p:grpSpPr>
-        <p:sp>
-          <p:nvSpPr>
-            <p:cNvPr id="8" name="TextBox 7">
-              <a:extLst>
-                <a:ext uri="{FF2B5EF4-FFF2-40B4-BE49-F238E27FC236}">
-                  <a16:creationId xmlns:a16="http://schemas.microsoft.com/office/drawing/2014/main" id="{7F01087F-4948-46A8-A7ED-C122FDBAED94}"/>
-                </a:ext>
-              </a:extLst>
-            </p:cNvPr>
-            <p:cNvSpPr txBox="1"/>
-            <p:nvPr/>
-          </p:nvSpPr>
-          <p:spPr>
-            <a:xfrm>
-              <a:off x="572436" y="1369230"/>
-              <a:ext cx="2318546" cy="3631763"/>
-            </a:xfrm>
-            <a:prstGeom prst="rect">
-              <a:avLst/>
-            </a:prstGeom>
-            <a:noFill/>
-          </p:spPr>
-          <p:txBody>
-            <a:bodyPr wrap="square" rtlCol="0">
-              <a:spAutoFit/>
-            </a:bodyPr>
-            <a:lstStyle/>
-            <a:p>
-              <a:r>
-                <a:rPr lang="en-US" sz="1000" b="1" dirty="0"/>
-                <a:t>Menu:</a:t>
-              </a:r>
-            </a:p>
-            <a:p>
-              <a:r>
-                <a:rPr lang="en-US" sz="1000" b="1" dirty="0"/>
-                <a:t>0. Load </a:t>
-              </a:r>
-              <a:r>
-                <a:rPr lang="en-US" sz="1000" b="1" dirty="0" err="1"/>
-                <a:t>dataframe</a:t>
-              </a:r>
-              <a:r>
-                <a:rPr lang="en-US" sz="1000" b="1" dirty="0"/>
-                <a:t> – in the beginning</a:t>
-              </a:r>
-            </a:p>
-            <a:p>
-              <a:endParaRPr lang="en-US" sz="1000" dirty="0"/>
-            </a:p>
-            <a:p>
-              <a:r>
-                <a:rPr lang="en-US" sz="1000" dirty="0"/>
-                <a:t>Menu:</a:t>
-              </a:r>
-            </a:p>
-            <a:p>
-              <a:r>
-                <a:rPr lang="en-US" sz="1000" dirty="0"/>
-                <a:t>0. Load </a:t>
-              </a:r>
-              <a:r>
-                <a:rPr lang="en-US" sz="1000" dirty="0" err="1"/>
-                <a:t>dataframe</a:t>
-              </a:r>
-              <a:endParaRPr lang="en-US" sz="1000" dirty="0"/>
-            </a:p>
-            <a:p>
-              <a:r>
-                <a:rPr lang="en-US" sz="1000" dirty="0"/>
-                <a:t>1. Create new charts</a:t>
-              </a:r>
-            </a:p>
-            <a:p>
-              <a:r>
-                <a:rPr lang="en-US" sz="1000" dirty="0"/>
-                <a:t>2. Read charts</a:t>
-              </a:r>
-            </a:p>
-            <a:p>
-              <a:r>
-                <a:rPr lang="en-US" sz="1000" dirty="0"/>
-                <a:t>3. Prepare slides</a:t>
-              </a:r>
-            </a:p>
-            <a:p>
-              <a:r>
-                <a:rPr lang="en-US" sz="1000" dirty="0"/>
-                <a:t>4. Compile slides into presentations</a:t>
-              </a:r>
-            </a:p>
-            <a:p>
-              <a:r>
-                <a:rPr lang="en-US" sz="1000" dirty="0"/>
-                <a:t>5. Delete charts and slides</a:t>
-              </a:r>
-            </a:p>
-            <a:p>
-              <a:r>
-                <a:rPr lang="en-US" sz="1000" dirty="0"/>
-                <a:t>6. Exit</a:t>
-              </a:r>
-            </a:p>
-            <a:p>
-              <a:r>
-                <a:rPr lang="en-US" sz="1000" b="1" dirty="0"/>
-                <a:t>Choose action: 0</a:t>
-              </a:r>
-            </a:p>
-            <a:p>
-              <a:r>
-                <a:rPr lang="en-US" sz="1000" b="1" dirty="0"/>
-                <a:t>✅ </a:t>
-              </a:r>
-              <a:r>
-                <a:rPr lang="en-US" sz="1000" b="1" dirty="0" err="1"/>
-                <a:t>DataFrame</a:t>
-              </a:r>
-              <a:r>
-                <a:rPr lang="en-US" sz="1000" b="1" dirty="0"/>
-                <a:t> loaded and formatted.</a:t>
-              </a:r>
-            </a:p>
-            <a:p>
-              <a:endParaRPr lang="en-US" sz="1000" dirty="0"/>
-            </a:p>
-            <a:p>
-              <a:r>
-                <a:rPr lang="en-US" sz="1000" b="1" dirty="0"/>
-                <a:t>Choose action: 1</a:t>
-              </a:r>
-            </a:p>
-            <a:p>
-              <a:endParaRPr lang="en-US" sz="1000" dirty="0"/>
-            </a:p>
-            <a:p>
-              <a:r>
-                <a:rPr lang="en-US" sz="1000" dirty="0"/>
-                <a:t>Available Indicators:</a:t>
-              </a:r>
-            </a:p>
-            <a:p>
-              <a:r>
-                <a:rPr lang="en-US" sz="1000" dirty="0"/>
-                <a:t>1. ARPU</a:t>
-              </a:r>
-            </a:p>
-            <a:p>
-              <a:r>
-                <a:rPr lang="en-US" sz="1000" dirty="0"/>
-                <a:t>2. Population</a:t>
-              </a:r>
-            </a:p>
-            <a:p>
-              <a:r>
-                <a:rPr lang="en-US" sz="1000" dirty="0"/>
-                <a:t>3. Subscribers</a:t>
-              </a:r>
-            </a:p>
-            <a:p>
-              <a:r>
-                <a:rPr lang="en-US" sz="1000" dirty="0"/>
-                <a:t>4. Market Size</a:t>
-              </a:r>
-            </a:p>
-            <a:p>
-              <a:r>
-                <a:rPr lang="en-US" sz="1000" dirty="0"/>
-                <a:t>5. Penetration Rate</a:t>
-              </a:r>
-            </a:p>
-            <a:p>
-              <a:r>
-                <a:rPr lang="en-US" sz="1000" dirty="0"/>
-                <a:t>Select indicator(s) (e.g., '1,3-4’):</a:t>
-              </a:r>
-            </a:p>
-          </p:txBody>
-        </p:sp>
-        <p:sp>
-          <p:nvSpPr>
-            <p:cNvPr id="9" name="TextBox 8">
-              <a:extLst>
-                <a:ext uri="{FF2B5EF4-FFF2-40B4-BE49-F238E27FC236}">
-                  <a16:creationId xmlns:a16="http://schemas.microsoft.com/office/drawing/2014/main" id="{1B4717E1-6501-4ED5-A574-62B3CFCA1450}"/>
-                </a:ext>
-              </a:extLst>
-            </p:cNvPr>
-            <p:cNvSpPr txBox="1"/>
-            <p:nvPr/>
-          </p:nvSpPr>
-          <p:spPr>
-            <a:xfrm>
-              <a:off x="2890982" y="1369229"/>
-              <a:ext cx="3048000" cy="5170646"/>
-            </a:xfrm>
-            <a:prstGeom prst="rect">
-              <a:avLst/>
-            </a:prstGeom>
-            <a:noFill/>
-          </p:spPr>
-          <p:txBody>
-            <a:bodyPr wrap="square" rtlCol="0">
-              <a:spAutoFit/>
-            </a:bodyPr>
-            <a:lstStyle/>
-            <a:p>
-              <a:r>
-                <a:rPr lang="en-US" sz="1000" b="1" dirty="0"/>
-                <a:t>Choose action: 2</a:t>
-              </a:r>
-            </a:p>
-            <a:p>
-              <a:r>
-                <a:rPr lang="en-US" sz="1000" dirty="0"/>
-                <a:t>Select files (e.g., 1,3,5-7):</a:t>
-              </a:r>
-            </a:p>
-            <a:p>
-              <a:endParaRPr lang="en-US" sz="1000" dirty="0"/>
-            </a:p>
-            <a:p>
-              <a:r>
-                <a:rPr lang="en-US" sz="1000" b="1" dirty="0"/>
-                <a:t>Choose action: 3</a:t>
-              </a:r>
-              <a:r>
-                <a:rPr lang="en-US" sz="1000" dirty="0"/>
-                <a:t> </a:t>
-              </a:r>
-            </a:p>
-            <a:p>
-              <a:endParaRPr lang="en-US" sz="1000" dirty="0"/>
-            </a:p>
-            <a:p>
-              <a:endParaRPr lang="en-US" sz="1000" dirty="0"/>
-            </a:p>
-            <a:p>
-              <a:endParaRPr lang="en-US" sz="1000" dirty="0"/>
-            </a:p>
-            <a:p>
-              <a:endParaRPr lang="en-US" sz="1000" dirty="0"/>
-            </a:p>
-            <a:p>
-              <a:endParaRPr lang="en-US" sz="1000" dirty="0"/>
-            </a:p>
-            <a:p>
-              <a:endParaRPr lang="en-US" sz="1000" dirty="0"/>
-            </a:p>
-            <a:p>
-              <a:endParaRPr lang="en-US" sz="1000" dirty="0"/>
-            </a:p>
-            <a:p>
-              <a:endParaRPr lang="en-US" sz="1000" dirty="0"/>
-            </a:p>
-            <a:p>
-              <a:endParaRPr lang="en-US" sz="1000" dirty="0"/>
-            </a:p>
-            <a:p>
-              <a:endParaRPr lang="en-US" sz="1000" dirty="0"/>
-            </a:p>
-            <a:p>
-              <a:endParaRPr lang="en-US" sz="1000" dirty="0"/>
-            </a:p>
-            <a:p>
-              <a:endParaRPr lang="en-US" sz="1000" dirty="0"/>
-            </a:p>
-            <a:p>
-              <a:r>
-                <a:rPr lang="en-US" sz="1000" b="1" dirty="0"/>
-                <a:t>Choose action: 4</a:t>
-              </a:r>
-            </a:p>
-            <a:p>
-              <a:r>
-                <a:rPr lang="en-US" sz="1000" dirty="0"/>
-                <a:t>Select an option:</a:t>
-              </a:r>
-            </a:p>
-            <a:p>
-              <a:r>
-                <a:rPr lang="en-US" sz="1000" dirty="0"/>
-                <a:t>1. Create a new presentation from selected slides.</a:t>
-              </a:r>
-            </a:p>
-            <a:p>
-              <a:r>
-                <a:rPr lang="en-US" sz="1000" dirty="0"/>
-                <a:t>2. Insert slide(s) into an existing presentation.</a:t>
-              </a:r>
-            </a:p>
-            <a:p>
-              <a:r>
-                <a:rPr lang="en-US" sz="1000" dirty="0"/>
-                <a:t>Enter option number (1 or 2):</a:t>
-              </a:r>
-            </a:p>
-            <a:p>
-              <a:endParaRPr lang="en-US" sz="1000" dirty="0"/>
-            </a:p>
-            <a:p>
-              <a:r>
-                <a:rPr lang="en-US" sz="1000" dirty="0"/>
-                <a:t>1. Available Slide Files:</a:t>
-              </a:r>
-            </a:p>
-            <a:p>
-              <a:r>
-                <a:rPr lang="en-US" sz="1000" dirty="0"/>
-                <a:t>Enter slide numbers in desired order (e.g., 1,2,4-5):</a:t>
-              </a:r>
-            </a:p>
-            <a:p>
-              <a:endParaRPr lang="en-US" sz="1000" dirty="0"/>
-            </a:p>
-            <a:p>
-              <a:r>
-                <a:rPr lang="en-US" sz="1000" dirty="0"/>
-                <a:t>2. Available Presentations:</a:t>
-              </a:r>
-            </a:p>
-            <a:p>
-              <a:r>
-                <a:rPr lang="en-US" sz="1000" dirty="0"/>
-                <a:t>Select a presentation number to insert into:</a:t>
-              </a:r>
-            </a:p>
-            <a:p>
-              <a:r>
-                <a:rPr lang="en-US" sz="1000" dirty="0"/>
-                <a:t>Available Slide Files:</a:t>
-              </a:r>
-            </a:p>
-            <a:p>
-              <a:r>
-                <a:rPr lang="en-US" sz="1000" dirty="0"/>
-                <a:t>Enter slide numbers to insert (e.g., 1,3-4):</a:t>
-              </a:r>
-            </a:p>
-            <a:p>
-              <a:r>
-                <a:rPr lang="en-US" sz="1000" dirty="0"/>
-                <a:t>Presentation has 13 slides.</a:t>
-              </a:r>
-            </a:p>
-            <a:p>
-              <a:r>
-                <a:rPr lang="en-US" sz="1000" dirty="0"/>
-                <a:t>Insert after which slide number(s)? (e.g., 2,4): </a:t>
-              </a:r>
-            </a:p>
-            <a:p>
-              <a:r>
-                <a:rPr lang="en-US" sz="1000" dirty="0"/>
-                <a:t>✅ Presentation saved as Presentation5.pptx in 'Presentations' folder.</a:t>
-              </a:r>
-            </a:p>
-          </p:txBody>
-        </p:sp>
-        <p:pic>
-          <p:nvPicPr>
-            <p:cNvPr id="10" name="Picture 9">
-              <a:extLst>
-                <a:ext uri="{FF2B5EF4-FFF2-40B4-BE49-F238E27FC236}">
-                  <a16:creationId xmlns:a16="http://schemas.microsoft.com/office/drawing/2014/main" id="{BEF765A3-6B5C-426E-B38E-28821CB88C9A}"/>
-                </a:ext>
-              </a:extLst>
-            </p:cNvPr>
-            <p:cNvPicPr>
-              <a:picLocks noChangeAspect="1"/>
-            </p:cNvPicPr>
-            <p:nvPr/>
-          </p:nvPicPr>
-          <p:blipFill>
-            <a:blip r:embed="rId2"/>
-            <a:stretch>
-              <a:fillRect/>
-            </a:stretch>
-          </p:blipFill>
-          <p:spPr>
-            <a:xfrm>
-              <a:off x="2955950" y="2074606"/>
-              <a:ext cx="1695687" cy="1600423"/>
-            </a:xfrm>
-            <a:prstGeom prst="rect">
-              <a:avLst/>
-            </a:prstGeom>
-          </p:spPr>
-        </p:pic>
-        <p:sp>
-          <p:nvSpPr>
-            <p:cNvPr id="11" name="TextBox 10">
-              <a:extLst>
-                <a:ext uri="{FF2B5EF4-FFF2-40B4-BE49-F238E27FC236}">
-                  <a16:creationId xmlns:a16="http://schemas.microsoft.com/office/drawing/2014/main" id="{3CF57D10-C99B-4486-9B39-0A762D139946}"/>
-                </a:ext>
-              </a:extLst>
-            </p:cNvPr>
-            <p:cNvSpPr txBox="1"/>
-            <p:nvPr/>
-          </p:nvSpPr>
-          <p:spPr>
-            <a:xfrm>
-              <a:off x="5938982" y="1369228"/>
-              <a:ext cx="3149600" cy="4247317"/>
-            </a:xfrm>
-            <a:prstGeom prst="rect">
-              <a:avLst/>
-            </a:prstGeom>
-            <a:noFill/>
-          </p:spPr>
-          <p:txBody>
-            <a:bodyPr wrap="square" rtlCol="0">
-              <a:spAutoFit/>
-            </a:bodyPr>
-            <a:lstStyle/>
-            <a:p>
-              <a:r>
-                <a:rPr lang="en-US" sz="1000" b="1" dirty="0"/>
-                <a:t>Choose action: 5</a:t>
-              </a:r>
-            </a:p>
-            <a:p>
-              <a:endParaRPr lang="en-US" sz="1000" dirty="0"/>
-            </a:p>
-            <a:p>
-              <a:r>
-                <a:rPr lang="en-US" sz="1000" dirty="0"/>
-                <a:t>Which folder would you like to manage?</a:t>
-              </a:r>
-            </a:p>
-            <a:p>
-              <a:r>
-                <a:rPr lang="en-US" sz="1000" dirty="0"/>
-                <a:t>1. Charts</a:t>
-              </a:r>
-            </a:p>
-            <a:p>
-              <a:r>
-                <a:rPr lang="en-US" sz="1000" dirty="0"/>
-                <a:t>2. Slides </a:t>
-              </a:r>
-            </a:p>
-            <a:p>
-              <a:r>
-                <a:rPr lang="en-US" sz="1000" dirty="0"/>
-                <a:t>3. Presentations </a:t>
-              </a:r>
-            </a:p>
-            <a:p>
-              <a:endParaRPr lang="en-US" sz="1000" dirty="0"/>
-            </a:p>
-            <a:p>
-              <a:r>
-                <a:rPr lang="en-US" sz="1000" dirty="0"/>
-                <a:t>Enter your choice: 1 </a:t>
-              </a:r>
-            </a:p>
-            <a:p>
-              <a:r>
-                <a:rPr lang="en-US" sz="1000" dirty="0"/>
-                <a:t>Enter file numbers to delete (e.g., 1,3-4):</a:t>
-              </a:r>
-            </a:p>
-            <a:p>
-              <a:endParaRPr lang="en-US" sz="1000" dirty="0"/>
-            </a:p>
-            <a:p>
-              <a:r>
-                <a:rPr lang="en-US" sz="1000" dirty="0"/>
-                <a:t>Enter your choice: 2</a:t>
-              </a:r>
-            </a:p>
-            <a:p>
-              <a:r>
-                <a:rPr lang="en-US" sz="1000" dirty="0"/>
-                <a:t>Enter file numbers to delete (e.g., 1,3-4):</a:t>
-              </a:r>
-            </a:p>
-            <a:p>
-              <a:endParaRPr lang="en-US" sz="1000" dirty="0"/>
-            </a:p>
-            <a:p>
-              <a:r>
-                <a:rPr lang="en-US" sz="1000" dirty="0"/>
-                <a:t>Enter your choice: 3</a:t>
-              </a:r>
-            </a:p>
-            <a:p>
-              <a:endParaRPr lang="en-US" sz="1000" dirty="0"/>
-            </a:p>
-            <a:p>
-              <a:r>
-                <a:rPr lang="en-US" sz="1000" dirty="0"/>
-                <a:t>Files in Presentations:</a:t>
-              </a:r>
-            </a:p>
-            <a:p>
-              <a:r>
-                <a:rPr lang="en-US" sz="1000" dirty="0"/>
-                <a:t>1. ITU Mobile Telecoms by Pandas Presentation.pptx</a:t>
-              </a:r>
-            </a:p>
-            <a:p>
-              <a:r>
-                <a:rPr lang="en-US" sz="1000" dirty="0"/>
-                <a:t>2. ITU Mobile Telecoms by Pandas Presentation2.pptx</a:t>
-              </a:r>
-            </a:p>
-            <a:p>
-              <a:r>
-                <a:rPr lang="en-US" sz="1000" dirty="0"/>
-                <a:t>3. Presentation1.pptx</a:t>
-              </a:r>
-            </a:p>
-            <a:p>
-              <a:r>
-                <a:rPr lang="en-US" sz="1000" dirty="0"/>
-                <a:t>4. Presentation4.pptx</a:t>
-              </a:r>
-            </a:p>
-            <a:p>
-              <a:r>
-                <a:rPr lang="en-US" sz="1000" dirty="0"/>
-                <a:t>5. Presentation_1.pptx</a:t>
-              </a:r>
-            </a:p>
-            <a:p>
-              <a:endParaRPr lang="en-US" sz="1000" dirty="0"/>
-            </a:p>
-            <a:p>
-              <a:r>
-                <a:rPr lang="en-US" sz="1000" dirty="0"/>
-                <a:t>Presentation management options:</a:t>
-              </a:r>
-            </a:p>
-            <a:p>
-              <a:r>
-                <a:rPr lang="en-US" sz="1000" dirty="0"/>
-                <a:t>1. Delete Slides from Presentation</a:t>
-              </a:r>
-            </a:p>
-            <a:p>
-              <a:r>
-                <a:rPr lang="en-US" sz="1000" dirty="0"/>
-                <a:t>2. Delete Entire Presentation</a:t>
-              </a:r>
-            </a:p>
-            <a:p>
-              <a:r>
-                <a:rPr lang="en-US" sz="1000" dirty="0"/>
-                <a:t>Enter your choice (1-3):</a:t>
-              </a:r>
-            </a:p>
-            <a:p>
-              <a:endParaRPr lang="en-US" sz="1000" dirty="0"/>
-            </a:p>
-          </p:txBody>
-        </p:sp>
-      </p:grpSp>
-    </p:spTree>
-    <p:extLst>
-      <p:ext uri="{BB962C8B-B14F-4D97-AF65-F5344CB8AC3E}">
-        <p14:creationId xmlns:p14="http://schemas.microsoft.com/office/powerpoint/2010/main" val="3909708355"/>
       </p:ext>
     </p:extLst>
   </p:cSld>
@@ -8839,8 +8004,8 @@
         </p:nvSpPr>
         <p:spPr>
           <a:xfrm>
-            <a:off x="11292119" y="6390000"/>
-            <a:ext cx="720000" cy="360000"/>
+            <a:off x="11946395" y="6390000"/>
+            <a:ext cx="65724" cy="153888"/>
           </a:xfrm>
           <a:prstGeom prst="rect">
             <a:avLst/>
@@ -8859,13 +8024,18 @@
               </a:defRPr>
             </a:pPr>
             <a:r>
-              <a:rPr>
-                <a:solidFill>
-                  <a:srgbClr val="000000"/>
-                </a:solidFill>
-              </a:rPr>
-              <a:t>2</a:t>
-            </a:r>
+              <a:rPr lang="en-US" dirty="0">
+                <a:solidFill>
+                  <a:srgbClr val="000000"/>
+                </a:solidFill>
+              </a:rPr>
+              <a:t>3</a:t>
+            </a:r>
+            <a:endParaRPr dirty="0">
+              <a:solidFill>
+                <a:srgbClr val="000000"/>
+              </a:solidFill>
+            </a:endParaRPr>
           </a:p>
         </p:txBody>
       </p:sp>
@@ -9174,8 +8344,8 @@
         </p:nvSpPr>
         <p:spPr>
           <a:xfrm>
-            <a:off x="11288952" y="6498000"/>
-            <a:ext cx="720000" cy="360000"/>
+            <a:off x="11523757" y="6498000"/>
+            <a:ext cx="250390" cy="246221"/>
           </a:xfrm>
           <a:prstGeom prst="rect">
             <a:avLst/>
@@ -9192,8 +8362,10 @@
               <a:defRPr sz="1000" b="1"/>
             </a:pPr>
             <a:r>
-              <a:t>4</a:t>
-            </a:r>
+              <a:rPr lang="en-US" dirty="0"/>
+              <a:t>5</a:t>
+            </a:r>
+            <a:endParaRPr dirty="0"/>
           </a:p>
         </p:txBody>
       </p:sp>
@@ -9433,8 +8605,8 @@
         </p:nvSpPr>
         <p:spPr>
           <a:xfrm>
-            <a:off x="11288952" y="6498000"/>
-            <a:ext cx="720000" cy="360000"/>
+            <a:off x="11523757" y="6516473"/>
+            <a:ext cx="250390" cy="246221"/>
           </a:xfrm>
           <a:prstGeom prst="rect">
             <a:avLst/>
@@ -9451,8 +8623,10 @@
               <a:defRPr sz="1000" b="1"/>
             </a:pPr>
             <a:r>
-              <a:t>4</a:t>
-            </a:r>
+              <a:rPr lang="en-US" dirty="0"/>
+              <a:t>6</a:t>
+            </a:r>
+            <a:endParaRPr dirty="0"/>
           </a:p>
         </p:txBody>
       </p:sp>
@@ -9750,8 +8924,8 @@
         </p:nvSpPr>
         <p:spPr>
           <a:xfrm>
-            <a:off x="11288952" y="6498000"/>
-            <a:ext cx="720000" cy="360000"/>
+            <a:off x="11523757" y="6498000"/>
+            <a:ext cx="250390" cy="246221"/>
           </a:xfrm>
           <a:prstGeom prst="rect">
             <a:avLst/>
@@ -9768,9 +8942,10 @@
               <a:defRPr sz="1000" b="1"/>
             </a:pPr>
             <a:r>
-              <a:rPr dirty="0"/>
-              <a:t>5</a:t>
-            </a:r>
+              <a:rPr lang="en-US" dirty="0"/>
+              <a:t>7</a:t>
+            </a:r>
+            <a:endParaRPr dirty="0"/>
           </a:p>
         </p:txBody>
       </p:sp>
@@ -10432,8 +9607,8 @@
         </p:nvSpPr>
         <p:spPr>
           <a:xfrm>
-            <a:off x="11288952" y="6498000"/>
-            <a:ext cx="720000" cy="360000"/>
+            <a:off x="11523757" y="6498000"/>
+            <a:ext cx="250390" cy="246221"/>
           </a:xfrm>
           <a:prstGeom prst="rect">
             <a:avLst/>
@@ -10450,9 +9625,10 @@
               <a:defRPr sz="1000" b="1"/>
             </a:pPr>
             <a:r>
-              <a:rPr dirty="0"/>
-              <a:t>5</a:t>
-            </a:r>
+              <a:rPr lang="en-US" dirty="0"/>
+              <a:t>8</a:t>
+            </a:r>
+            <a:endParaRPr dirty="0"/>
           </a:p>
         </p:txBody>
       </p:sp>
@@ -10913,8 +10089,8 @@
         </p:nvSpPr>
         <p:spPr>
           <a:xfrm>
-            <a:off x="11288952" y="6498000"/>
-            <a:ext cx="720000" cy="360000"/>
+            <a:off x="11523757" y="6498000"/>
+            <a:ext cx="250390" cy="246221"/>
           </a:xfrm>
           <a:prstGeom prst="rect">
             <a:avLst/>
@@ -10931,8 +10107,10 @@
               <a:defRPr sz="1000" b="1"/>
             </a:pPr>
             <a:r>
-              <a:t>10</a:t>
-            </a:r>
+              <a:rPr lang="en-US" dirty="0"/>
+              <a:t>9</a:t>
+            </a:r>
+            <a:endParaRPr dirty="0"/>
           </a:p>
         </p:txBody>
       </p:sp>
